--- a/Figures/static.pptx
+++ b/Figures/static.pptx
@@ -259,7 +259,7 @@
           <a:p>
             <a:fld id="{897A4168-D093-5741-BD17-F12CD09B5F4F}" type="datetimeFigureOut">
               <a:rPr lang="en-US" smtClean="0"/>
-              <a:t>10/3/23</a:t>
+              <a:t>11/18/23</a:t>
             </a:fld>
             <a:endParaRPr lang="en-US"/>
           </a:p>
@@ -457,7 +457,7 @@
           <a:p>
             <a:fld id="{897A4168-D093-5741-BD17-F12CD09B5F4F}" type="datetimeFigureOut">
               <a:rPr lang="en-US" smtClean="0"/>
-              <a:t>10/3/23</a:t>
+              <a:t>11/18/23</a:t>
             </a:fld>
             <a:endParaRPr lang="en-US"/>
           </a:p>
@@ -665,7 +665,7 @@
           <a:p>
             <a:fld id="{897A4168-D093-5741-BD17-F12CD09B5F4F}" type="datetimeFigureOut">
               <a:rPr lang="en-US" smtClean="0"/>
-              <a:t>10/3/23</a:t>
+              <a:t>11/18/23</a:t>
             </a:fld>
             <a:endParaRPr lang="en-US"/>
           </a:p>
@@ -863,7 +863,7 @@
           <a:p>
             <a:fld id="{897A4168-D093-5741-BD17-F12CD09B5F4F}" type="datetimeFigureOut">
               <a:rPr lang="en-US" smtClean="0"/>
-              <a:t>10/3/23</a:t>
+              <a:t>11/18/23</a:t>
             </a:fld>
             <a:endParaRPr lang="en-US"/>
           </a:p>
@@ -1138,7 +1138,7 @@
           <a:p>
             <a:fld id="{897A4168-D093-5741-BD17-F12CD09B5F4F}" type="datetimeFigureOut">
               <a:rPr lang="en-US" smtClean="0"/>
-              <a:t>10/3/23</a:t>
+              <a:t>11/18/23</a:t>
             </a:fld>
             <a:endParaRPr lang="en-US"/>
           </a:p>
@@ -1403,7 +1403,7 @@
           <a:p>
             <a:fld id="{897A4168-D093-5741-BD17-F12CD09B5F4F}" type="datetimeFigureOut">
               <a:rPr lang="en-US" smtClean="0"/>
-              <a:t>10/3/23</a:t>
+              <a:t>11/18/23</a:t>
             </a:fld>
             <a:endParaRPr lang="en-US"/>
           </a:p>
@@ -1815,7 +1815,7 @@
           <a:p>
             <a:fld id="{897A4168-D093-5741-BD17-F12CD09B5F4F}" type="datetimeFigureOut">
               <a:rPr lang="en-US" smtClean="0"/>
-              <a:t>10/3/23</a:t>
+              <a:t>11/18/23</a:t>
             </a:fld>
             <a:endParaRPr lang="en-US"/>
           </a:p>
@@ -1956,7 +1956,7 @@
           <a:p>
             <a:fld id="{897A4168-D093-5741-BD17-F12CD09B5F4F}" type="datetimeFigureOut">
               <a:rPr lang="en-US" smtClean="0"/>
-              <a:t>10/3/23</a:t>
+              <a:t>11/18/23</a:t>
             </a:fld>
             <a:endParaRPr lang="en-US"/>
           </a:p>
@@ -2069,7 +2069,7 @@
           <a:p>
             <a:fld id="{897A4168-D093-5741-BD17-F12CD09B5F4F}" type="datetimeFigureOut">
               <a:rPr lang="en-US" smtClean="0"/>
-              <a:t>10/3/23</a:t>
+              <a:t>11/18/23</a:t>
             </a:fld>
             <a:endParaRPr lang="en-US"/>
           </a:p>
@@ -2380,7 +2380,7 @@
           <a:p>
             <a:fld id="{897A4168-D093-5741-BD17-F12CD09B5F4F}" type="datetimeFigureOut">
               <a:rPr lang="en-US" smtClean="0"/>
-              <a:t>10/3/23</a:t>
+              <a:t>11/18/23</a:t>
             </a:fld>
             <a:endParaRPr lang="en-US"/>
           </a:p>
@@ -2668,7 +2668,7 @@
           <a:p>
             <a:fld id="{897A4168-D093-5741-BD17-F12CD09B5F4F}" type="datetimeFigureOut">
               <a:rPr lang="en-US" smtClean="0"/>
-              <a:t>10/3/23</a:t>
+              <a:t>11/18/23</a:t>
             </a:fld>
             <a:endParaRPr lang="en-US"/>
           </a:p>
@@ -2909,7 +2909,7 @@
           <a:p>
             <a:fld id="{897A4168-D093-5741-BD17-F12CD09B5F4F}" type="datetimeFigureOut">
               <a:rPr lang="en-US" smtClean="0"/>
-              <a:t>10/3/23</a:t>
+              <a:t>11/18/23</a:t>
             </a:fld>
             <a:endParaRPr lang="en-US"/>
           </a:p>
@@ -4698,7 +4698,7 @@
         </p:nvSpPr>
         <p:spPr>
           <a:xfrm>
-            <a:off x="4519528" y="1831588"/>
+            <a:off x="4537237" y="1832636"/>
             <a:ext cx="623036" cy="605259"/>
           </a:xfrm>
           <a:prstGeom prst="ellipse">
@@ -4788,7 +4788,7 @@
         </p:nvSpPr>
         <p:spPr>
           <a:xfrm>
-            <a:off x="1652829" y="2271921"/>
+            <a:off x="5172202" y="1850618"/>
             <a:ext cx="1166470" cy="369332"/>
           </a:xfrm>
           <a:prstGeom prst="rect">
@@ -4804,7 +4804,7 @@
           <a:p>
             <a:r>
               <a:rPr lang="en-US" dirty="0"/>
-              <a:t>v</a:t>
+              <a:t>y</a:t>
             </a:r>
           </a:p>
         </p:txBody>
@@ -4839,7 +4839,7 @@
           <a:p>
             <a:r>
               <a:rPr lang="en-US" dirty="0"/>
-              <a:t>y</a:t>
+              <a:t>v</a:t>
             </a:r>
           </a:p>
         </p:txBody>
@@ -5456,7 +5456,7 @@
           <a:p>
             <a:r>
               <a:rPr lang="en-US" dirty="0"/>
-              <a:t>y</a:t>
+              <a:t>v</a:t>
             </a:r>
           </a:p>
         </p:txBody>
@@ -6987,7 +6987,7 @@
           <a:p>
             <a:r>
               <a:rPr lang="en-US" dirty="0"/>
-              <a:t>y</a:t>
+              <a:t>v</a:t>
             </a:r>
           </a:p>
         </p:txBody>
@@ -7072,16 +7072,16 @@
               <a:t>|</a:t>
             </a:r>
             <a:r>
-              <a:rPr lang="en-US" i="1" dirty="0"/>
+              <a:rPr lang="en-US" i="1" dirty="0" err="1"/>
               <a:t>N</a:t>
             </a:r>
             <a:r>
-              <a:rPr lang="en-US" i="1" baseline="-25000" dirty="0"/>
+              <a:rPr lang="en-US" i="1" baseline="-25000" dirty="0" err="1"/>
               <a:t>w</a:t>
             </a:r>
             <a:r>
               <a:rPr lang="en-US" dirty="0"/>
-              <a:t>(y)| = 1</a:t>
+              <a:t>(v)| = 1</a:t>
             </a:r>
           </a:p>
         </p:txBody>
@@ -7119,16 +7119,16 @@
               <a:t>|</a:t>
             </a:r>
             <a:r>
-              <a:rPr lang="en-US" i="1" dirty="0"/>
+              <a:rPr lang="en-US" i="1" dirty="0" err="1"/>
               <a:t>N</a:t>
             </a:r>
             <a:r>
-              <a:rPr lang="en-US" i="1" baseline="-25000" dirty="0"/>
+              <a:rPr lang="en-US" i="1" baseline="-25000" dirty="0" err="1"/>
               <a:t>w</a:t>
             </a:r>
             <a:r>
               <a:rPr lang="en-US" dirty="0"/>
-              <a:t>(v)| = 1</a:t>
+              <a:t>(y)| = 1</a:t>
             </a:r>
           </a:p>
         </p:txBody>
@@ -7260,16 +7260,16 @@
               <a:t>|</a:t>
             </a:r>
             <a:r>
-              <a:rPr lang="en-US" i="1" dirty="0"/>
+              <a:rPr lang="en-US" i="1" dirty="0" err="1"/>
               <a:t>N</a:t>
             </a:r>
             <a:r>
-              <a:rPr lang="en-US" i="1" baseline="-25000" dirty="0"/>
+              <a:rPr lang="en-US" i="1" baseline="-25000" dirty="0" err="1"/>
               <a:t>w</a:t>
             </a:r>
             <a:r>
               <a:rPr lang="en-US" dirty="0"/>
-              <a:t>(y)| = 1</a:t>
+              <a:t>(v)| = 1</a:t>
             </a:r>
           </a:p>
         </p:txBody>
@@ -7552,6 +7552,76 @@
             <a:r>
               <a:rPr lang="en-US" dirty="0"/>
               <a:t>(x)| &gt; 1</a:t>
+            </a:r>
+          </a:p>
+        </p:txBody>
+      </p:sp>
+      <p:sp>
+        <p:nvSpPr>
+          <p:cNvPr id="5" name="TextBox 4">
+            <a:extLst>
+              <a:ext uri="{FF2B5EF4-FFF2-40B4-BE49-F238E27FC236}">
+                <a16:creationId xmlns:a16="http://schemas.microsoft.com/office/drawing/2014/main" id="{B51B6B97-2842-3115-4963-409EFA2A80C2}"/>
+              </a:ext>
+            </a:extLst>
+          </p:cNvPr>
+          <p:cNvSpPr txBox="1"/>
+          <p:nvPr/>
+        </p:nvSpPr>
+        <p:spPr>
+          <a:xfrm>
+            <a:off x="1805229" y="2424321"/>
+            <a:ext cx="1166470" cy="369332"/>
+          </a:xfrm>
+          <a:prstGeom prst="rect">
+            <a:avLst/>
+          </a:prstGeom>
+          <a:noFill/>
+        </p:spPr>
+        <p:txBody>
+          <a:bodyPr wrap="square" rtlCol="0">
+            <a:spAutoFit/>
+          </a:bodyPr>
+          <a:lstStyle/>
+          <a:p>
+            <a:r>
+              <a:rPr lang="en-US" dirty="0"/>
+              <a:t>y</a:t>
+            </a:r>
+          </a:p>
+        </p:txBody>
+      </p:sp>
+      <p:sp>
+        <p:nvSpPr>
+          <p:cNvPr id="14" name="TextBox 13">
+            <a:extLst>
+              <a:ext uri="{FF2B5EF4-FFF2-40B4-BE49-F238E27FC236}">
+                <a16:creationId xmlns:a16="http://schemas.microsoft.com/office/drawing/2014/main" id="{2893D104-19D2-CF94-85C4-277F494B0B37}"/>
+              </a:ext>
+            </a:extLst>
+          </p:cNvPr>
+          <p:cNvSpPr txBox="1"/>
+          <p:nvPr/>
+        </p:nvSpPr>
+        <p:spPr>
+          <a:xfrm>
+            <a:off x="5564641" y="1119596"/>
+            <a:ext cx="1166470" cy="369332"/>
+          </a:xfrm>
+          <a:prstGeom prst="rect">
+            <a:avLst/>
+          </a:prstGeom>
+          <a:noFill/>
+        </p:spPr>
+        <p:txBody>
+          <a:bodyPr wrap="square" rtlCol="0">
+            <a:spAutoFit/>
+          </a:bodyPr>
+          <a:lstStyle/>
+          <a:p>
+            <a:r>
+              <a:rPr lang="en-US" dirty="0"/>
+              <a:t>u</a:t>
             </a:r>
           </a:p>
         </p:txBody>
